--- a/outputs/GREAT 화면 설계_허준혁.pptx
+++ b/outputs/GREAT 화면 설계_허준혁.pptx
@@ -5259,7 +5259,7 @@
                 <a16:creationId xmlns:a16="http://schemas.microsoft.com/office/drawing/2014/main" id="{39E0238D-E295-49BE-9BFE-E9189D69ED3A}"/>
               </a:ext>
               <a:ext uri="{C183D7F6-B498-43B3-948B-1728B52AA6E4}">
-                <adec:decorative xmlns:adec="http://schemas.microsoft.com/office/drawing/2017/decorative" xmlns="" val="1"/>
+                <adec:decorative xmlns="" xmlns:adec="http://schemas.microsoft.com/office/drawing/2017/decorative" val="1"/>
               </a:ext>
             </a:extLst>
           </p:cNvPr>
@@ -5319,7 +5319,7 @@
                 <a16:creationId xmlns:a16="http://schemas.microsoft.com/office/drawing/2014/main" id="{D85E9A4A-0183-4A3C-B68E-A229278915E2}"/>
               </a:ext>
               <a:ext uri="{C183D7F6-B498-43B3-948B-1728B52AA6E4}">
-                <adec:decorative xmlns:adec="http://schemas.microsoft.com/office/drawing/2017/decorative" xmlns="" val="1"/>
+                <adec:decorative xmlns="" xmlns:adec="http://schemas.microsoft.com/office/drawing/2017/decorative" val="1"/>
               </a:ext>
             </a:extLst>
           </p:cNvPr>
@@ -5385,7 +5385,7 @@
                 <a16:creationId xmlns:a16="http://schemas.microsoft.com/office/drawing/2014/main" id="{13A48C6C-3CC4-4EE5-A773-EC1EB7F59CD4}"/>
               </a:ext>
               <a:ext uri="{C183D7F6-B498-43B3-948B-1728B52AA6E4}">
-                <adec:decorative xmlns:adec="http://schemas.microsoft.com/office/drawing/2017/decorative" xmlns="" val="1"/>
+                <adec:decorative xmlns="" xmlns:adec="http://schemas.microsoft.com/office/drawing/2017/decorative" val="1"/>
               </a:ext>
             </a:extLst>
           </p:cNvPr>
@@ -5526,7 +5526,7 @@
                 <a16:creationId xmlns:a16="http://schemas.microsoft.com/office/drawing/2014/main" id="{F489C2E0-4895-4B72-85EA-7EE9FAFFDC7E}"/>
               </a:ext>
               <a:ext uri="{C183D7F6-B498-43B3-948B-1728B52AA6E4}">
-                <adec:decorative xmlns:adec="http://schemas.microsoft.com/office/drawing/2017/decorative" xmlns="" val="1"/>
+                <adec:decorative xmlns="" xmlns:adec="http://schemas.microsoft.com/office/drawing/2017/decorative" val="1"/>
               </a:ext>
             </a:extLst>
           </p:cNvPr>
@@ -5688,7 +5688,7 @@
                 <a16:creationId xmlns:a16="http://schemas.microsoft.com/office/drawing/2014/main" id="{872DAFA4-5D2E-4391-AD38-B26F579F40C5}"/>
               </a:ext>
               <a:ext uri="{C183D7F6-B498-43B3-948B-1728B52AA6E4}">
-                <adec:decorative xmlns:adec="http://schemas.microsoft.com/office/drawing/2017/decorative" xmlns="" val="1"/>
+                <adec:decorative xmlns="" xmlns:adec="http://schemas.microsoft.com/office/drawing/2017/decorative" val="1"/>
               </a:ext>
             </a:extLst>
           </p:cNvPr>
@@ -5808,7 +5808,7 @@
         <p:spPr>
           <a:xfrm>
             <a:off x="0" y="139938"/>
-            <a:ext cx="3363686" cy="523220"/>
+            <a:ext cx="2816441" cy="492443"/>
           </a:xfrm>
           <a:prstGeom prst="rect">
             <a:avLst/>
@@ -5822,14 +5822,14 @@
           <a:lstStyle/>
           <a:p>
             <a:r>
-              <a:rPr lang="en-US" altLang="ko-KR" sz="2800" dirty="0" smtClean="0"/>
+              <a:rPr lang="en-US" altLang="ko-KR" sz="2600" b="1" dirty="0" smtClean="0"/>
               <a:t>7-1. </a:t>
             </a:r>
             <a:r>
-              <a:rPr lang="ko-KR" altLang="en-US" sz="2800" dirty="0" smtClean="0"/>
+              <a:rPr lang="ko-KR" altLang="en-US" sz="2600" b="1" dirty="0" smtClean="0"/>
               <a:t>메뉴 구조</a:t>
             </a:r>
-            <a:endParaRPr lang="ko-KR" altLang="en-US" sz="2800" dirty="0"/>
+            <a:endParaRPr lang="ko-KR" altLang="en-US" sz="2600" b="1" dirty="0"/>
           </a:p>
         </p:txBody>
       </p:sp>
